--- a/Курсовая работа на тему «Ресторан».pptx
+++ b/Курсовая работа на тему «Ресторан».pptx
@@ -18,8 +18,7 @@
     <p:sldId id="266" r:id="rId12"/>
     <p:sldId id="267" r:id="rId13"/>
     <p:sldId id="268" r:id="rId14"/>
-    <p:sldId id="269" r:id="rId15"/>
-    <p:sldId id="270" r:id="rId16"/>
+    <p:sldId id="270" r:id="rId15"/>
   </p:sldIdLst>
   <p:sldSz cx="12192000" cy="6858000"/>
   <p:notesSz cx="6858000" cy="9144000"/>
@@ -118,6 +117,11 @@
       </a:defRPr>
     </a:lvl9pPr>
   </p:defaultTextStyle>
+  <p:extLst>
+    <p:ext uri="{EFAFB233-063F-42B5-8137-9DF3F51BA10A}">
+      <p15:sldGuideLst xmlns:p15="http://schemas.microsoft.com/office/powerpoint/2012/main"/>
+    </p:ext>
+  </p:extLst>
 </p:presentation>
 </file>
 
@@ -291,7 +295,7 @@
             <a:fld id="{87DE6118-2437-4B30-8E3C-4D2BE6020583}" type="datetimeFigureOut">
               <a:rPr lang="en-US" dirty="0"/>
               <a:pPr/>
-              <a:t>5/29/2022</a:t>
+              <a:t>12/12/2022</a:t>
             </a:fld>
             <a:endParaRPr lang="en-US" dirty="0"/>
           </a:p>
@@ -617,7 +621,7 @@
           <a:p>
             <a:fld id="{87DE6118-2437-4B30-8E3C-4D2BE6020583}" type="datetimeFigureOut">
               <a:rPr lang="en-US" dirty="0"/>
-              <a:t>5/29/2022</a:t>
+              <a:t>12/12/2022</a:t>
             </a:fld>
             <a:endParaRPr lang="en-US" dirty="0"/>
           </a:p>
@@ -792,7 +796,7 @@
           <a:p>
             <a:fld id="{87DE6118-2437-4B30-8E3C-4D2BE6020583}" type="datetimeFigureOut">
               <a:rPr lang="en-US" dirty="0"/>
-              <a:t>5/29/2022</a:t>
+              <a:t>12/12/2022</a:t>
             </a:fld>
             <a:endParaRPr lang="en-US" dirty="0"/>
           </a:p>
@@ -957,7 +961,7 @@
           <a:p>
             <a:fld id="{87DE6118-2437-4B30-8E3C-4D2BE6020583}" type="datetimeFigureOut">
               <a:rPr lang="en-US" dirty="0"/>
-              <a:t>5/29/2022</a:t>
+              <a:t>12/12/2022</a:t>
             </a:fld>
             <a:endParaRPr lang="en-US" dirty="0"/>
           </a:p>
@@ -1230,7 +1234,7 @@
             <a:fld id="{87DE6118-2437-4B30-8E3C-4D2BE6020583}" type="datetimeFigureOut">
               <a:rPr lang="en-US" dirty="0"/>
               <a:pPr/>
-              <a:t>5/29/2022</a:t>
+              <a:t>12/12/2022</a:t>
             </a:fld>
             <a:endParaRPr lang="en-US" dirty="0"/>
           </a:p>
@@ -1620,7 +1624,7 @@
           <a:p>
             <a:fld id="{87DE6118-2437-4B30-8E3C-4D2BE6020583}" type="datetimeFigureOut">
               <a:rPr lang="en-US" dirty="0"/>
-              <a:t>5/29/2022</a:t>
+              <a:t>12/12/2022</a:t>
             </a:fld>
             <a:endParaRPr lang="en-US" dirty="0"/>
           </a:p>
@@ -2092,7 +2096,7 @@
           <a:p>
             <a:fld id="{87DE6118-2437-4B30-8E3C-4D2BE6020583}" type="datetimeFigureOut">
               <a:rPr lang="en-US" dirty="0"/>
-              <a:t>5/29/2022</a:t>
+              <a:t>12/12/2022</a:t>
             </a:fld>
             <a:endParaRPr lang="en-US" dirty="0"/>
           </a:p>
@@ -2205,7 +2209,7 @@
           <a:p>
             <a:fld id="{87DE6118-2437-4B30-8E3C-4D2BE6020583}" type="datetimeFigureOut">
               <a:rPr lang="en-US" dirty="0"/>
-              <a:t>5/29/2022</a:t>
+              <a:t>12/12/2022</a:t>
             </a:fld>
             <a:endParaRPr lang="en-US" dirty="0"/>
           </a:p>
@@ -2295,7 +2299,7 @@
           <a:p>
             <a:fld id="{87DE6118-2437-4B30-8E3C-4D2BE6020583}" type="datetimeFigureOut">
               <a:rPr lang="en-US" dirty="0"/>
-              <a:t>5/29/2022</a:t>
+              <a:t>12/12/2022</a:t>
             </a:fld>
             <a:endParaRPr lang="en-US" dirty="0"/>
           </a:p>
@@ -2637,7 +2641,7 @@
             <a:fld id="{87DE6118-2437-4B30-8E3C-4D2BE6020583}" type="datetimeFigureOut">
               <a:rPr lang="en-US" dirty="0"/>
               <a:pPr/>
-              <a:t>5/29/2022</a:t>
+              <a:t>12/12/2022</a:t>
             </a:fld>
             <a:endParaRPr lang="en-US" dirty="0"/>
           </a:p>
@@ -3022,7 +3026,7 @@
             <a:fld id="{87DE6118-2437-4B30-8E3C-4D2BE6020583}" type="datetimeFigureOut">
               <a:rPr lang="en-US" dirty="0"/>
               <a:pPr/>
-              <a:t>5/29/2022</a:t>
+              <a:t>12/12/2022</a:t>
             </a:fld>
             <a:endParaRPr lang="en-US" dirty="0"/>
           </a:p>
@@ -3297,7 +3301,7 @@
             <a:fld id="{87DE6118-2437-4B30-8E3C-4D2BE6020583}" type="datetimeFigureOut">
               <a:rPr lang="en-US" dirty="0"/>
               <a:pPr/>
-              <a:t>5/29/2022</a:t>
+              <a:t>12/12/2022</a:t>
             </a:fld>
             <a:endParaRPr lang="en-US" dirty="0"/>
           </a:p>
@@ -5665,7 +5669,7 @@
       </p:pic>
       <p:pic>
         <p:nvPicPr>
-          <p:cNvPr id="4" name="image24.jpeg" descr="Изображение выглядит как текст, черный, табличка  Автоматически созданное описание">
+          <p:cNvPr id="4" name="image24.jpeg">
             <a:extLst>
               <a:ext uri="{FF2B5EF4-FFF2-40B4-BE49-F238E27FC236}">
                 <a16:creationId xmlns:a16="http://schemas.microsoft.com/office/drawing/2014/main" id="{F0603BE2-3414-32D4-1866-C7BDCBB93672}"/>
@@ -5678,15 +5682,14 @@
           <p:nvPr/>
         </p:nvPicPr>
         <p:blipFill>
-          <a:blip r:embed="rId3" cstate="print"/>
-          <a:stretch>
-            <a:fillRect/>
-          </a:stretch>
+          <a:blip r:embed="rId3"/>
+          <a:srcRect/>
+          <a:stretch/>
         </p:blipFill>
         <p:spPr>
           <a:xfrm>
-            <a:off x="4494670" y="3353187"/>
-            <a:ext cx="2749177" cy="2570480"/>
+            <a:off x="4132221" y="3756673"/>
+            <a:ext cx="3166519" cy="2216241"/>
           </a:xfrm>
           <a:prstGeom prst="rect">
             <a:avLst/>
@@ -5780,716 +5783,6 @@
 </file>
 
 <file path=ppt/slides/slide14.xml><?xml version="1.0" encoding="utf-8"?>
-<p:sld xmlns:a="http://schemas.openxmlformats.org/drawingml/2006/main" xmlns:r="http://schemas.openxmlformats.org/officeDocument/2006/relationships" xmlns:p="http://schemas.openxmlformats.org/presentationml/2006/main">
-  <p:cSld>
-    <p:bg>
-      <p:bgPr>
-        <a:solidFill>
-          <a:schemeClr val="bg2"/>
-        </a:solidFill>
-        <a:effectLst/>
-      </p:bgPr>
-    </p:bg>
-    <p:spTree>
-      <p:nvGrpSpPr>
-        <p:cNvPr id="1" name=""/>
-        <p:cNvGrpSpPr/>
-        <p:nvPr/>
-      </p:nvGrpSpPr>
-      <p:grpSpPr>
-        <a:xfrm>
-          <a:off x="0" y="0"/>
-          <a:ext cx="0" cy="0"/>
-          <a:chOff x="0" y="0"/>
-          <a:chExt cx="0" cy="0"/>
-        </a:xfrm>
-      </p:grpSpPr>
-      <p:grpSp>
-        <p:nvGrpSpPr>
-          <p:cNvPr id="33" name="Group 32">
-            <a:extLst>
-              <a:ext uri="{FF2B5EF4-FFF2-40B4-BE49-F238E27FC236}">
-                <a16:creationId xmlns:a16="http://schemas.microsoft.com/office/drawing/2014/main" id="{624E16E8-84BF-4D4C-A746-2537B1C15979}"/>
-              </a:ext>
-              <a:ext uri="{C183D7F6-B498-43B3-948B-1728B52AA6E4}">
-                <adec:decorative xmlns:adec="http://schemas.microsoft.com/office/drawing/2017/decorative" val="1"/>
-              </a:ext>
-            </a:extLst>
-          </p:cNvPr>
-          <p:cNvGrpSpPr>
-            <a:grpSpLocks noGrp="1" noUngrp="1" noRot="1" noChangeAspect="1" noMove="1" noResize="1"/>
-          </p:cNvGrpSpPr>
-          <p:nvPr>
-            <p:extLst>
-              <p:ext uri="{386F3935-93C4-4BCD-93E2-E3B085C9AB24}">
-                <p16:designElem xmlns:p16="http://schemas.microsoft.com/office/powerpoint/2015/main" val="1"/>
-              </p:ext>
-            </p:extLst>
-          </p:nvPr>
-        </p:nvGrpSpPr>
-        <p:grpSpPr>
-          <a:xfrm>
-            <a:off x="752858" y="744469"/>
-            <a:ext cx="10674117" cy="5349671"/>
-            <a:chOff x="752858" y="744469"/>
-            <a:chExt cx="10674117" cy="5349671"/>
-          </a:xfrm>
-        </p:grpSpPr>
-        <p:sp>
-          <p:nvSpPr>
-            <p:cNvPr id="34" name="Freeform 6">
-              <a:extLst>
-                <a:ext uri="{FF2B5EF4-FFF2-40B4-BE49-F238E27FC236}">
-                  <a16:creationId xmlns:a16="http://schemas.microsoft.com/office/drawing/2014/main" id="{F890A3A2-97E0-41D2-BD93-30D3DFA7324E}"/>
-                </a:ext>
-                <a:ext uri="{C183D7F6-B498-43B3-948B-1728B52AA6E4}">
-                  <adec:decorative xmlns:adec="http://schemas.microsoft.com/office/drawing/2017/decorative" val="1"/>
-                </a:ext>
-              </a:extLst>
-            </p:cNvPr>
-            <p:cNvSpPr/>
-            <p:nvPr>
-              <p:extLst>
-                <p:ext uri="{386F3935-93C4-4BCD-93E2-E3B085C9AB24}">
-                  <p16:designElem xmlns:p16="http://schemas.microsoft.com/office/powerpoint/2015/main" val="1"/>
-                </p:ext>
-              </p:extLst>
-            </p:nvPr>
-          </p:nvSpPr>
-          <p:spPr bwMode="auto">
-            <a:xfrm>
-              <a:off x="8151962" y="1685652"/>
-              <a:ext cx="3275013" cy="4408488"/>
-            </a:xfrm>
-            <a:custGeom>
-              <a:avLst/>
-              <a:gdLst/>
-              <a:ahLst/>
-              <a:cxnLst/>
-              <a:rect l="l" t="t" r="r" b="b"/>
-              <a:pathLst>
-                <a:path w="10000" h="10000">
-                  <a:moveTo>
-                    <a:pt x="8761" y="0"/>
-                  </a:moveTo>
-                  <a:lnTo>
-                    <a:pt x="10000" y="0"/>
-                  </a:lnTo>
-                  <a:lnTo>
-                    <a:pt x="10000" y="10000"/>
-                  </a:lnTo>
-                  <a:lnTo>
-                    <a:pt x="0" y="10000"/>
-                  </a:lnTo>
-                  <a:lnTo>
-                    <a:pt x="0" y="9126"/>
-                  </a:lnTo>
-                  <a:lnTo>
-                    <a:pt x="8761" y="9127"/>
-                  </a:lnTo>
-                  <a:lnTo>
-                    <a:pt x="8761" y="0"/>
-                  </a:lnTo>
-                  <a:close/>
-                </a:path>
-              </a:pathLst>
-            </a:custGeom>
-            <a:solidFill>
-              <a:schemeClr val="tx2"/>
-            </a:solidFill>
-            <a:ln w="0">
-              <a:noFill/>
-              <a:prstDash val="solid"/>
-              <a:round/>
-              <a:headEnd/>
-              <a:tailEnd/>
-            </a:ln>
-          </p:spPr>
-        </p:sp>
-        <p:sp>
-          <p:nvSpPr>
-            <p:cNvPr id="35" name="Freeform 6">
-              <a:extLst>
-                <a:ext uri="{FF2B5EF4-FFF2-40B4-BE49-F238E27FC236}">
-                  <a16:creationId xmlns:a16="http://schemas.microsoft.com/office/drawing/2014/main" id="{718CB90A-6005-4951-84F5-70B5863EF799}"/>
-                </a:ext>
-                <a:ext uri="{C183D7F6-B498-43B3-948B-1728B52AA6E4}">
-                  <adec:decorative xmlns:adec="http://schemas.microsoft.com/office/drawing/2017/decorative" val="1"/>
-                </a:ext>
-              </a:extLst>
-            </p:cNvPr>
-            <p:cNvSpPr/>
-            <p:nvPr>
-              <p:extLst>
-                <p:ext uri="{386F3935-93C4-4BCD-93E2-E3B085C9AB24}">
-                  <p16:designElem xmlns:p16="http://schemas.microsoft.com/office/powerpoint/2015/main" val="1"/>
-                </p:ext>
-              </p:extLst>
-            </p:nvPr>
-          </p:nvSpPr>
-          <p:spPr bwMode="auto">
-            <a:xfrm flipH="1" flipV="1">
-              <a:off x="752858" y="744469"/>
-              <a:ext cx="3275668" cy="4408488"/>
-            </a:xfrm>
-            <a:custGeom>
-              <a:avLst/>
-              <a:gdLst/>
-              <a:ahLst/>
-              <a:cxnLst/>
-              <a:rect l="l" t="t" r="r" b="b"/>
-              <a:pathLst>
-                <a:path w="10002" h="10000">
-                  <a:moveTo>
-                    <a:pt x="8763" y="0"/>
-                  </a:moveTo>
-                  <a:lnTo>
-                    <a:pt x="10002" y="0"/>
-                  </a:lnTo>
-                  <a:lnTo>
-                    <a:pt x="10002" y="10000"/>
-                  </a:lnTo>
-                  <a:lnTo>
-                    <a:pt x="2" y="10000"/>
-                  </a:lnTo>
-                  <a:cubicBezTo>
-                    <a:pt x="-2" y="9698"/>
-                    <a:pt x="4" y="9427"/>
-                    <a:pt x="0" y="9125"/>
-                  </a:cubicBezTo>
-                  <a:lnTo>
-                    <a:pt x="8763" y="9128"/>
-                  </a:lnTo>
-                  <a:lnTo>
-                    <a:pt x="8763" y="0"/>
-                  </a:lnTo>
-                  <a:close/>
-                </a:path>
-              </a:pathLst>
-            </a:custGeom>
-            <a:solidFill>
-              <a:schemeClr val="tx2"/>
-            </a:solidFill>
-            <a:ln w="0">
-              <a:noFill/>
-              <a:prstDash val="solid"/>
-              <a:round/>
-              <a:headEnd/>
-              <a:tailEnd/>
-            </a:ln>
-          </p:spPr>
-        </p:sp>
-      </p:grpSp>
-      <p:sp useBgFill="1">
-        <p:nvSpPr>
-          <p:cNvPr id="37" name="Rectangle 36">
-            <a:extLst>
-              <a:ext uri="{FF2B5EF4-FFF2-40B4-BE49-F238E27FC236}">
-                <a16:creationId xmlns:a16="http://schemas.microsoft.com/office/drawing/2014/main" id="{7BB74091-09FE-44AF-8325-7FE6E175F727}"/>
-              </a:ext>
-              <a:ext uri="{C183D7F6-B498-43B3-948B-1728B52AA6E4}">
-                <adec:decorative xmlns:adec="http://schemas.microsoft.com/office/drawing/2017/decorative" val="1"/>
-              </a:ext>
-            </a:extLst>
-          </p:cNvPr>
-          <p:cNvSpPr>
-            <a:spLocks noGrp="1" noRot="1" noChangeAspect="1" noMove="1" noResize="1" noEditPoints="1" noAdjustHandles="1" noChangeArrowheads="1" noChangeShapeType="1" noTextEdit="1"/>
-          </p:cNvSpPr>
-          <p:nvPr>
-            <p:extLst>
-              <p:ext uri="{386F3935-93C4-4BCD-93E2-E3B085C9AB24}">
-                <p16:designElem xmlns:p16="http://schemas.microsoft.com/office/powerpoint/2015/main" val="1"/>
-              </p:ext>
-            </p:extLst>
-          </p:nvPr>
-        </p:nvSpPr>
-        <p:spPr>
-          <a:xfrm>
-            <a:off x="0" y="0"/>
-            <a:ext cx="12192000" cy="6858000"/>
-          </a:xfrm>
-          <a:prstGeom prst="rect">
-            <a:avLst/>
-          </a:prstGeom>
-          <a:ln>
-            <a:noFill/>
-          </a:ln>
-        </p:spPr>
-        <p:style>
-          <a:lnRef idx="2">
-            <a:schemeClr val="accent1">
-              <a:shade val="50000"/>
-            </a:schemeClr>
-          </a:lnRef>
-          <a:fillRef idx="1">
-            <a:schemeClr val="accent1"/>
-          </a:fillRef>
-          <a:effectRef idx="0">
-            <a:schemeClr val="accent1"/>
-          </a:effectRef>
-          <a:fontRef idx="minor">
-            <a:schemeClr val="lt1"/>
-          </a:fontRef>
-        </p:style>
-        <p:txBody>
-          <a:bodyPr rtlCol="0" anchor="ctr"/>
-          <a:lstStyle/>
-          <a:p>
-            <a:pPr algn="ctr"/>
-            <a:endParaRPr lang="en-US"/>
-          </a:p>
-        </p:txBody>
-      </p:sp>
-      <p:sp>
-        <p:nvSpPr>
-          <p:cNvPr id="2" name="Заголовок 1">
-            <a:extLst>
-              <a:ext uri="{FF2B5EF4-FFF2-40B4-BE49-F238E27FC236}">
-                <a16:creationId xmlns:a16="http://schemas.microsoft.com/office/drawing/2014/main" id="{80601BEE-A164-0E5A-4669-D3E3376E6989}"/>
-              </a:ext>
-            </a:extLst>
-          </p:cNvPr>
-          <p:cNvSpPr>
-            <a:spLocks noGrp="1"/>
-          </p:cNvSpPr>
-          <p:nvPr>
-            <p:ph type="title"/>
-          </p:nvPr>
-        </p:nvSpPr>
-        <p:spPr>
-          <a:xfrm>
-            <a:off x="765025" y="4842845"/>
-            <a:ext cx="10720685" cy="936769"/>
-          </a:xfrm>
-        </p:spPr>
-        <p:txBody>
-          <a:bodyPr vert="horz" lIns="91440" tIns="45720" rIns="91440" bIns="45720" rtlCol="0" anchor="b">
-            <a:normAutofit/>
-          </a:bodyPr>
-          <a:lstStyle/>
-          <a:p>
-            <a:pPr algn="ctr"/>
-            <a:r>
-              <a:rPr lang="en-US" sz="4800" cap="all" dirty="0" err="1"/>
-              <a:t>Тестирование</a:t>
-            </a:r>
-            <a:r>
-              <a:rPr lang="en-US" sz="4800" cap="all" dirty="0"/>
-              <a:t> </a:t>
-            </a:r>
-            <a:r>
-              <a:rPr lang="en-US" sz="4800" cap="all" dirty="0" err="1"/>
-              <a:t>веб-приложения</a:t>
-            </a:r>
-            <a:endParaRPr lang="en-US" sz="4800" cap="all" dirty="0"/>
-          </a:p>
-        </p:txBody>
-      </p:sp>
-      <p:pic>
-        <p:nvPicPr>
-          <p:cNvPr id="6" name="image27.jpeg" descr="Изображение выглядит как текст  Автоматически созданное описание">
-            <a:extLst>
-              <a:ext uri="{FF2B5EF4-FFF2-40B4-BE49-F238E27FC236}">
-                <a16:creationId xmlns:a16="http://schemas.microsoft.com/office/drawing/2014/main" id="{268BCBDE-35DD-6512-4759-E20E9062D79A}"/>
-              </a:ext>
-            </a:extLst>
-          </p:cNvPr>
-          <p:cNvPicPr>
-            <a:picLocks noChangeAspect="1"/>
-          </p:cNvPicPr>
-          <p:nvPr/>
-        </p:nvPicPr>
-        <p:blipFill rotWithShape="1">
-          <a:blip r:embed="rId2" cstate="print"/>
-          <a:srcRect l="2157" r="47703" b="-1"/>
-          <a:stretch/>
-        </p:blipFill>
-        <p:spPr>
-          <a:xfrm>
-            <a:off x="20" y="10"/>
-            <a:ext cx="3979875" cy="4187119"/>
-          </a:xfrm>
-          <a:prstGeom prst="rect">
-            <a:avLst/>
-          </a:prstGeom>
-        </p:spPr>
-      </p:pic>
-      <p:pic>
-        <p:nvPicPr>
-          <p:cNvPr id="4" name="image25.jpeg">
-            <a:extLst>
-              <a:ext uri="{FF2B5EF4-FFF2-40B4-BE49-F238E27FC236}">
-                <a16:creationId xmlns:a16="http://schemas.microsoft.com/office/drawing/2014/main" id="{E29ABFAA-05B2-A3B5-C14C-68E0B6CE5DE4}"/>
-              </a:ext>
-            </a:extLst>
-          </p:cNvPr>
-          <p:cNvPicPr>
-            <a:picLocks noChangeAspect="1"/>
-          </p:cNvPicPr>
-          <p:nvPr/>
-        </p:nvPicPr>
-        <p:blipFill rotWithShape="1">
-          <a:blip r:embed="rId3" cstate="print"/>
-          <a:srcRect l="1868" r="47650" b="2"/>
-          <a:stretch/>
-        </p:blipFill>
-        <p:spPr>
-          <a:xfrm>
-            <a:off x="4094479" y="10"/>
-            <a:ext cx="4026180" cy="4187119"/>
-          </a:xfrm>
-          <a:prstGeom prst="rect">
-            <a:avLst/>
-          </a:prstGeom>
-        </p:spPr>
-      </p:pic>
-      <p:pic>
-        <p:nvPicPr>
-          <p:cNvPr id="5" name="image26.jpeg" descr="Изображение выглядит как текст  Автоматически созданное описание">
-            <a:extLst>
-              <a:ext uri="{FF2B5EF4-FFF2-40B4-BE49-F238E27FC236}">
-                <a16:creationId xmlns:a16="http://schemas.microsoft.com/office/drawing/2014/main" id="{1B906E55-8B9C-D0AF-D8E4-81140A87B958}"/>
-              </a:ext>
-            </a:extLst>
-          </p:cNvPr>
-          <p:cNvPicPr>
-            <a:picLocks noChangeAspect="1"/>
-          </p:cNvPicPr>
-          <p:nvPr/>
-        </p:nvPicPr>
-        <p:blipFill rotWithShape="1">
-          <a:blip r:embed="rId4" cstate="print"/>
-          <a:srcRect l="2244" r="47907" b="-1"/>
-          <a:stretch/>
-        </p:blipFill>
-        <p:spPr>
-          <a:xfrm>
-            <a:off x="8235242" y="10"/>
-            <a:ext cx="3956755" cy="4187119"/>
-          </a:xfrm>
-          <a:prstGeom prst="rect">
-            <a:avLst/>
-          </a:prstGeom>
-        </p:spPr>
-      </p:pic>
-      <p:sp>
-        <p:nvSpPr>
-          <p:cNvPr id="39" name="Freeform: Shape 38">
-            <a:extLst>
-              <a:ext uri="{FF2B5EF4-FFF2-40B4-BE49-F238E27FC236}">
-                <a16:creationId xmlns:a16="http://schemas.microsoft.com/office/drawing/2014/main" id="{0F30CCEB-94C4-4F72-BA5A-9CEA853022DA}"/>
-              </a:ext>
-              <a:ext uri="{C183D7F6-B498-43B3-948B-1728B52AA6E4}">
-                <adec:decorative xmlns:adec="http://schemas.microsoft.com/office/drawing/2017/decorative" val="1"/>
-              </a:ext>
-            </a:extLst>
-          </p:cNvPr>
-          <p:cNvSpPr>
-            <a:spLocks noGrp="1" noRot="1" noChangeAspect="1" noMove="1" noResize="1" noEditPoints="1" noAdjustHandles="1" noChangeArrowheads="1" noChangeShapeType="1" noTextEdit="1"/>
-          </p:cNvSpPr>
-          <p:nvPr>
-            <p:extLst>
-              <p:ext uri="{386F3935-93C4-4BCD-93E2-E3B085C9AB24}">
-                <p16:designElem xmlns:p16="http://schemas.microsoft.com/office/powerpoint/2015/main" val="1"/>
-              </p:ext>
-            </p:extLst>
-          </p:nvPr>
-        </p:nvSpPr>
-        <p:spPr bwMode="auto">
-          <a:xfrm flipH="1" flipV="1">
-            <a:off x="434936" y="4446551"/>
-            <a:ext cx="1957171" cy="1103687"/>
-          </a:xfrm>
-          <a:custGeom>
-            <a:avLst/>
-            <a:gdLst>
-              <a:gd name="connsiteX0" fmla="*/ 2017702 w 2017702"/>
-              <a:gd name="connsiteY0" fmla="*/ 1137821 h 1137821"/>
-              <a:gd name="connsiteX1" fmla="*/ 404 w 2017702"/>
-              <a:gd name="connsiteY1" fmla="*/ 1137821 h 1137821"/>
-              <a:gd name="connsiteX2" fmla="*/ 0 w 2017702"/>
-              <a:gd name="connsiteY2" fmla="*/ 900216 h 1137821"/>
-              <a:gd name="connsiteX3" fmla="*/ 1767759 w 2017702"/>
-              <a:gd name="connsiteY3" fmla="*/ 901031 h 1137821"/>
-              <a:gd name="connsiteX4" fmla="*/ 1767759 w 2017702"/>
-              <a:gd name="connsiteY4" fmla="*/ 0 h 1137821"/>
-              <a:gd name="connsiteX5" fmla="*/ 2017702 w 2017702"/>
-              <a:gd name="connsiteY5" fmla="*/ 0 h 1137821"/>
-            </a:gdLst>
-            <a:ahLst/>
-            <a:cxnLst>
-              <a:cxn ang="0">
-                <a:pos x="connsiteX0" y="connsiteY0"/>
-              </a:cxn>
-              <a:cxn ang="0">
-                <a:pos x="connsiteX1" y="connsiteY1"/>
-              </a:cxn>
-              <a:cxn ang="0">
-                <a:pos x="connsiteX2" y="connsiteY2"/>
-              </a:cxn>
-              <a:cxn ang="0">
-                <a:pos x="connsiteX3" y="connsiteY3"/>
-              </a:cxn>
-              <a:cxn ang="0">
-                <a:pos x="connsiteX4" y="connsiteY4"/>
-              </a:cxn>
-              <a:cxn ang="0">
-                <a:pos x="connsiteX5" y="connsiteY5"/>
-              </a:cxn>
-            </a:cxnLst>
-            <a:rect l="l" t="t" r="r" b="b"/>
-            <a:pathLst>
-              <a:path w="2017702" h="1137821">
-                <a:moveTo>
-                  <a:pt x="2017702" y="1137821"/>
-                </a:moveTo>
-                <a:lnTo>
-                  <a:pt x="404" y="1137821"/>
-                </a:lnTo>
-                <a:cubicBezTo>
-                  <a:pt x="-404" y="1055814"/>
-                  <a:pt x="807" y="982224"/>
-                  <a:pt x="0" y="900216"/>
-                </a:cubicBezTo>
-                <a:lnTo>
-                  <a:pt x="1767759" y="901031"/>
-                </a:lnTo>
-                <a:lnTo>
-                  <a:pt x="1767759" y="0"/>
-                </a:lnTo>
-                <a:lnTo>
-                  <a:pt x="2017702" y="0"/>
-                </a:lnTo>
-                <a:close/>
-              </a:path>
-            </a:pathLst>
-          </a:custGeom>
-          <a:solidFill>
-            <a:schemeClr val="tx2">
-              <a:alpha val="80000"/>
-            </a:schemeClr>
-          </a:solidFill>
-          <a:ln w="0">
-            <a:noFill/>
-            <a:prstDash val="solid"/>
-            <a:round/>
-            <a:headEnd/>
-            <a:tailEnd/>
-          </a:ln>
-        </p:spPr>
-      </p:sp>
-      <p:sp>
-        <p:nvSpPr>
-          <p:cNvPr id="41" name="Freeform: Shape 40">
-            <a:extLst>
-              <a:ext uri="{FF2B5EF4-FFF2-40B4-BE49-F238E27FC236}">
-                <a16:creationId xmlns:a16="http://schemas.microsoft.com/office/drawing/2014/main" id="{0DE1A94F-CC8B-4954-97A7-ADD4F300D647}"/>
-              </a:ext>
-              <a:ext uri="{C183D7F6-B498-43B3-948B-1728B52AA6E4}">
-                <adec:decorative xmlns:adec="http://schemas.microsoft.com/office/drawing/2017/decorative" val="1"/>
-              </a:ext>
-            </a:extLst>
-          </p:cNvPr>
-          <p:cNvSpPr>
-            <a:spLocks noGrp="1" noRot="1" noChangeAspect="1" noMove="1" noResize="1" noEditPoints="1" noAdjustHandles="1" noChangeArrowheads="1" noChangeShapeType="1" noTextEdit="1"/>
-          </p:cNvSpPr>
-          <p:nvPr>
-            <p:extLst>
-              <p:ext uri="{386F3935-93C4-4BCD-93E2-E3B085C9AB24}">
-                <p16:designElem xmlns:p16="http://schemas.microsoft.com/office/powerpoint/2015/main" val="1"/>
-              </p:ext>
-            </p:extLst>
-          </p:nvPr>
-        </p:nvSpPr>
-        <p:spPr bwMode="auto">
-          <a:xfrm>
-            <a:off x="9796837" y="5311230"/>
-            <a:ext cx="2042265" cy="1213486"/>
-          </a:xfrm>
-          <a:custGeom>
-            <a:avLst/>
-            <a:gdLst>
-              <a:gd name="connsiteX0" fmla="*/ 1844618 w 2105428"/>
-              <a:gd name="connsiteY0" fmla="*/ 0 h 1251016"/>
-              <a:gd name="connsiteX1" fmla="*/ 2105428 w 2105428"/>
-              <a:gd name="connsiteY1" fmla="*/ 0 h 1251016"/>
-              <a:gd name="connsiteX2" fmla="*/ 2105428 w 2105428"/>
-              <a:gd name="connsiteY2" fmla="*/ 1251016 h 1251016"/>
-              <a:gd name="connsiteX3" fmla="*/ 421 w 2105428"/>
-              <a:gd name="connsiteY3" fmla="*/ 1251016 h 1251016"/>
-              <a:gd name="connsiteX4" fmla="*/ 0 w 2105428"/>
-              <a:gd name="connsiteY4" fmla="*/ 1003081 h 1251016"/>
-              <a:gd name="connsiteX5" fmla="*/ 1844618 w 2105428"/>
-              <a:gd name="connsiteY5" fmla="*/ 1003931 h 1251016"/>
-            </a:gdLst>
-            <a:ahLst/>
-            <a:cxnLst>
-              <a:cxn ang="0">
-                <a:pos x="connsiteX0" y="connsiteY0"/>
-              </a:cxn>
-              <a:cxn ang="0">
-                <a:pos x="connsiteX1" y="connsiteY1"/>
-              </a:cxn>
-              <a:cxn ang="0">
-                <a:pos x="connsiteX2" y="connsiteY2"/>
-              </a:cxn>
-              <a:cxn ang="0">
-                <a:pos x="connsiteX3" y="connsiteY3"/>
-              </a:cxn>
-              <a:cxn ang="0">
-                <a:pos x="connsiteX4" y="connsiteY4"/>
-              </a:cxn>
-              <a:cxn ang="0">
-                <a:pos x="connsiteX5" y="connsiteY5"/>
-              </a:cxn>
-            </a:cxnLst>
-            <a:rect l="l" t="t" r="r" b="b"/>
-            <a:pathLst>
-              <a:path w="2105428" h="1251016">
-                <a:moveTo>
-                  <a:pt x="1844618" y="0"/>
-                </a:moveTo>
-                <a:lnTo>
-                  <a:pt x="2105428" y="0"/>
-                </a:lnTo>
-                <a:lnTo>
-                  <a:pt x="2105428" y="1251016"/>
-                </a:lnTo>
-                <a:lnTo>
-                  <a:pt x="421" y="1251016"/>
-                </a:lnTo>
-                <a:cubicBezTo>
-                  <a:pt x="-421" y="1165443"/>
-                  <a:pt x="842" y="1088654"/>
-                  <a:pt x="0" y="1003081"/>
-                </a:cubicBezTo>
-                <a:lnTo>
-                  <a:pt x="1844618" y="1003931"/>
-                </a:lnTo>
-                <a:close/>
-              </a:path>
-            </a:pathLst>
-          </a:custGeom>
-          <a:solidFill>
-            <a:schemeClr val="tx2">
-              <a:alpha val="80000"/>
-            </a:schemeClr>
-          </a:solidFill>
-          <a:ln w="0">
-            <a:noFill/>
-            <a:prstDash val="solid"/>
-            <a:round/>
-            <a:headEnd/>
-            <a:tailEnd/>
-          </a:ln>
-        </p:spPr>
-      </p:sp>
-    </p:spTree>
-    <p:extLst>
-      <p:ext uri="{BB962C8B-B14F-4D97-AF65-F5344CB8AC3E}">
-        <p14:creationId xmlns:p14="http://schemas.microsoft.com/office/powerpoint/2010/main" val="991636791"/>
-      </p:ext>
-    </p:extLst>
-  </p:cSld>
-  <p:clrMapOvr>
-    <a:masterClrMapping/>
-  </p:clrMapOvr>
-  <p:timing>
-    <p:tnLst>
-      <p:par>
-        <p:cTn id="1" dur="indefinite" restart="never" nodeType="tmRoot">
-          <p:childTnLst>
-            <p:seq concurrent="1" nextAc="seek">
-              <p:cTn id="2" dur="indefinite" nodeType="mainSeq">
-                <p:childTnLst>
-                  <p:par>
-                    <p:cTn id="3" fill="hold">
-                      <p:stCondLst>
-                        <p:cond delay="indefinite"/>
-                        <p:cond evt="onBegin" delay="0">
-                          <p:tn val="2"/>
-                        </p:cond>
-                      </p:stCondLst>
-                      <p:childTnLst>
-                        <p:par>
-                          <p:cTn id="4" fill="hold">
-                            <p:stCondLst>
-                              <p:cond delay="0"/>
-                            </p:stCondLst>
-                            <p:childTnLst>
-                              <p:par>
-                                <p:cTn id="5" presetID="10" presetClass="entr" presetSubtype="0" fill="hold" grpId="0" nodeType="withEffect">
-                                  <p:stCondLst>
-                                    <p:cond delay="1000"/>
-                                  </p:stCondLst>
-                                  <p:iterate type="lt">
-                                    <p:tmPct val="10000"/>
-                                  </p:iterate>
-                                  <p:childTnLst>
-                                    <p:set>
-                                      <p:cBhvr>
-                                        <p:cTn id="6" dur="1" fill="hold">
-                                          <p:stCondLst>
-                                            <p:cond delay="0"/>
-                                          </p:stCondLst>
-                                        </p:cTn>
-                                        <p:tgtEl>
-                                          <p:spTgt spid="2"/>
-                                        </p:tgtEl>
-                                        <p:attrNameLst>
-                                          <p:attrName>style.visibility</p:attrName>
-                                        </p:attrNameLst>
-                                      </p:cBhvr>
-                                      <p:to>
-                                        <p:strVal val="visible"/>
-                                      </p:to>
-                                    </p:set>
-                                    <p:animEffect transition="in" filter="fade">
-                                      <p:cBhvr>
-                                        <p:cTn id="7" dur="400"/>
-                                        <p:tgtEl>
-                                          <p:spTgt spid="2"/>
-                                        </p:tgtEl>
-                                      </p:cBhvr>
-                                    </p:animEffect>
-                                  </p:childTnLst>
-                                </p:cTn>
-                              </p:par>
-                            </p:childTnLst>
-                          </p:cTn>
-                        </p:par>
-                      </p:childTnLst>
-                    </p:cTn>
-                  </p:par>
-                </p:childTnLst>
-              </p:cTn>
-              <p:prevCondLst>
-                <p:cond evt="onPrev" delay="0">
-                  <p:tgtEl>
-                    <p:sldTgt/>
-                  </p:tgtEl>
-                </p:cond>
-              </p:prevCondLst>
-              <p:nextCondLst>
-                <p:cond evt="onNext" delay="0">
-                  <p:tgtEl>
-                    <p:sldTgt/>
-                  </p:tgtEl>
-                </p:cond>
-              </p:nextCondLst>
-            </p:seq>
-          </p:childTnLst>
-        </p:cTn>
-      </p:par>
-    </p:tnLst>
-    <p:bldLst>
-      <p:bldP spid="2" grpId="0"/>
-    </p:bldLst>
-  </p:timing>
-</p:sld>
-</file>
-
-<file path=ppt/slides/slide15.xml><?xml version="1.0" encoding="utf-8"?>
 <p:sld xmlns:a="http://schemas.openxmlformats.org/drawingml/2006/main" xmlns:r="http://schemas.openxmlformats.org/officeDocument/2006/relationships" xmlns:p="http://schemas.openxmlformats.org/presentationml/2006/main">
   <p:cSld>
     <p:spTree>
@@ -8969,30 +8262,34 @@
       </p:sp>
       <p:pic>
         <p:nvPicPr>
-          <p:cNvPr id="5" name="image12.jpeg" descr="Изображение выглядит как текст  Автоматически созданное описание">
+          <p:cNvPr id="6" name="image12.jpeg">
             <a:extLst>
               <a:ext uri="{FF2B5EF4-FFF2-40B4-BE49-F238E27FC236}">
-                <a16:creationId xmlns:a16="http://schemas.microsoft.com/office/drawing/2014/main" id="{75DCAC02-22EC-6F14-F616-A4266A0C26F1}"/>
+                <a16:creationId xmlns:a16="http://schemas.microsoft.com/office/drawing/2014/main" id="{D6C95D3A-204D-5E34-BEFD-82441D8AA34E}"/>
               </a:ext>
             </a:extLst>
           </p:cNvPr>
           <p:cNvPicPr>
-            <a:picLocks noGrp="1" noChangeAspect="1"/>
+            <a:picLocks noChangeAspect="1"/>
           </p:cNvPicPr>
-          <p:nvPr>
-            <p:ph idx="1"/>
-          </p:nvPr>
+          <p:nvPr/>
         </p:nvPicPr>
         <p:blipFill>
-          <a:blip r:embed="rId2" cstate="print"/>
+          <a:blip r:embed="rId2" cstate="print">
+            <a:extLst>
+              <a:ext uri="{28A0092B-C50C-407E-A947-70E740481C1C}">
+                <a14:useLocalDpi xmlns:a14="http://schemas.microsoft.com/office/drawing/2010/main" val="0"/>
+              </a:ext>
+            </a:extLst>
+          </a:blip>
           <a:stretch>
             <a:fillRect/>
           </a:stretch>
         </p:blipFill>
         <p:spPr>
           <a:xfrm>
-            <a:off x="1899658" y="1340841"/>
-            <a:ext cx="4617952" cy="4375510"/>
+            <a:off x="2186185" y="1238182"/>
+            <a:ext cx="3737369" cy="4629218"/>
           </a:xfrm>
           <a:prstGeom prst="rect">
             <a:avLst/>
